--- a/9주차/발표자료/코드 리뷰 자료/유의진/그리디 문제풀이 유의진.pptx
+++ b/9주차/발표자료/코드 리뷰 자료/유의진/그리디 문제풀이 유의진.pptx
@@ -9,6 +9,7 @@
     <p:sldId id="258" r:id="rId6"/>
     <p:sldId id="257" r:id="rId7"/>
     <p:sldId id="259" r:id="rId8"/>
+    <p:sldId id="260" r:id="rId9"/>
   </p:sldIdLst>
   <p:sldSz cx="12192000" cy="6858000"/>
   <p:notesSz cx="6858000" cy="9144000"/>
@@ -5052,7 +5053,7 @@
         </p:nvSpPr>
         <p:spPr>
           <a:xfrm>
-            <a:off x="6320948" y="3242705"/>
+            <a:off x="6320947" y="3208105"/>
             <a:ext cx="5932011" cy="372803"/>
           </a:xfrm>
           <a:prstGeom prst="rect">
@@ -11562,6 +11563,1277 @@
 </p:sld>
 </file>
 
+<file path=ppt/slides/slide5.xml><?xml version="1.0" encoding="utf-8"?>
+<p:sld xmlns:a="http://schemas.openxmlformats.org/drawingml/2006/main" xmlns:r="http://schemas.openxmlformats.org/officeDocument/2006/relationships" xmlns:p="http://schemas.openxmlformats.org/presentationml/2006/main">
+  <p:cSld>
+    <p:bg>
+      <p:bgPr>
+        <a:solidFill>
+          <a:srgbClr val="263747"/>
+        </a:solidFill>
+        <a:effectLst/>
+      </p:bgPr>
+    </p:bg>
+    <p:spTree>
+      <p:nvGrpSpPr>
+        <p:cNvPr id="1" name=""/>
+        <p:cNvGrpSpPr/>
+        <p:nvPr/>
+      </p:nvGrpSpPr>
+      <p:grpSpPr>
+        <a:xfrm>
+          <a:off x="0" y="0"/>
+          <a:ext cx="0" cy="0"/>
+          <a:chOff x="0" y="0"/>
+          <a:chExt cx="0" cy="0"/>
+        </a:xfrm>
+      </p:grpSpPr>
+      <p:pic>
+        <p:nvPicPr>
+          <p:cNvPr id="5" name="그림 4">
+            <a:extLst>
+              <a:ext uri="{FF2B5EF4-FFF2-40B4-BE49-F238E27FC236}">
+                <a16:creationId xmlns:a16="http://schemas.microsoft.com/office/drawing/2014/main" id="{F87ED05F-564A-4D97-9433-B1A5B97819F6}"/>
+              </a:ext>
+            </a:extLst>
+          </p:cNvPr>
+          <p:cNvPicPr>
+            <a:picLocks noChangeAspect="1"/>
+          </p:cNvPicPr>
+          <p:nvPr/>
+        </p:nvPicPr>
+        <p:blipFill>
+          <a:blip r:embed="rId2"/>
+          <a:stretch>
+            <a:fillRect/>
+          </a:stretch>
+        </p:blipFill>
+        <p:spPr>
+          <a:xfrm>
+            <a:off x="67531" y="1862137"/>
+            <a:ext cx="7191375" cy="4124325"/>
+          </a:xfrm>
+          <a:prstGeom prst="rect">
+            <a:avLst/>
+          </a:prstGeom>
+        </p:spPr>
+      </p:pic>
+      <p:sp>
+        <p:nvSpPr>
+          <p:cNvPr id="3" name="부제목 4">
+            <a:extLst>
+              <a:ext uri="{FF2B5EF4-FFF2-40B4-BE49-F238E27FC236}">
+                <a16:creationId xmlns:a16="http://schemas.microsoft.com/office/drawing/2014/main" id="{9A009EDC-67E5-415E-B7F8-49110EFE0634}"/>
+              </a:ext>
+            </a:extLst>
+          </p:cNvPr>
+          <p:cNvSpPr txBox="1">
+            <a:spLocks/>
+          </p:cNvSpPr>
+          <p:nvPr/>
+        </p:nvSpPr>
+        <p:spPr>
+          <a:xfrm>
+            <a:off x="121508" y="160597"/>
+            <a:ext cx="2270000" cy="352124"/>
+          </a:xfrm>
+          <a:prstGeom prst="rect">
+            <a:avLst/>
+          </a:prstGeom>
+        </p:spPr>
+        <p:txBody>
+          <a:bodyPr vert="horz" lIns="91440" tIns="45720" rIns="91440" bIns="45720" rtlCol="0">
+            <a:normAutofit lnSpcReduction="10000"/>
+          </a:bodyPr>
+          <a:lstStyle>
+            <a:lvl1pPr marL="228600" indent="-228600" algn="l" defTabSz="914400" rtl="0" eaLnBrk="1" latinLnBrk="1" hangingPunct="1">
+              <a:lnSpc>
+                <a:spcPct val="90000"/>
+              </a:lnSpc>
+              <a:spcBef>
+                <a:spcPts val="1000"/>
+              </a:spcBef>
+              <a:buFont typeface="Arial" panose="020B0604020202020204" pitchFamily="34" charset="0"/>
+              <a:buChar char="•"/>
+              <a:defRPr sz="2800" kern="1200">
+                <a:solidFill>
+                  <a:schemeClr val="tx1"/>
+                </a:solidFill>
+                <a:latin typeface="+mn-lt"/>
+                <a:ea typeface="+mn-ea"/>
+                <a:cs typeface="+mn-cs"/>
+              </a:defRPr>
+            </a:lvl1pPr>
+            <a:lvl2pPr marL="685800" indent="-228600" algn="l" defTabSz="914400" rtl="0" eaLnBrk="1" latinLnBrk="1" hangingPunct="1">
+              <a:lnSpc>
+                <a:spcPct val="90000"/>
+              </a:lnSpc>
+              <a:spcBef>
+                <a:spcPts val="500"/>
+              </a:spcBef>
+              <a:buFont typeface="Arial" panose="020B0604020202020204" pitchFamily="34" charset="0"/>
+              <a:buChar char="•"/>
+              <a:defRPr sz="2400" kern="1200">
+                <a:solidFill>
+                  <a:schemeClr val="tx1"/>
+                </a:solidFill>
+                <a:latin typeface="+mn-lt"/>
+                <a:ea typeface="+mn-ea"/>
+                <a:cs typeface="+mn-cs"/>
+              </a:defRPr>
+            </a:lvl2pPr>
+            <a:lvl3pPr marL="1143000" indent="-228600" algn="l" defTabSz="914400" rtl="0" eaLnBrk="1" latinLnBrk="1" hangingPunct="1">
+              <a:lnSpc>
+                <a:spcPct val="90000"/>
+              </a:lnSpc>
+              <a:spcBef>
+                <a:spcPts val="500"/>
+              </a:spcBef>
+              <a:buFont typeface="Arial" panose="020B0604020202020204" pitchFamily="34" charset="0"/>
+              <a:buChar char="•"/>
+              <a:defRPr sz="2000" kern="1200">
+                <a:solidFill>
+                  <a:schemeClr val="tx1"/>
+                </a:solidFill>
+                <a:latin typeface="+mn-lt"/>
+                <a:ea typeface="+mn-ea"/>
+                <a:cs typeface="+mn-cs"/>
+              </a:defRPr>
+            </a:lvl3pPr>
+            <a:lvl4pPr marL="1600200" indent="-228600" algn="l" defTabSz="914400" rtl="0" eaLnBrk="1" latinLnBrk="1" hangingPunct="1">
+              <a:lnSpc>
+                <a:spcPct val="90000"/>
+              </a:lnSpc>
+              <a:spcBef>
+                <a:spcPts val="500"/>
+              </a:spcBef>
+              <a:buFont typeface="Arial" panose="020B0604020202020204" pitchFamily="34" charset="0"/>
+              <a:buChar char="•"/>
+              <a:defRPr sz="1800" kern="1200">
+                <a:solidFill>
+                  <a:schemeClr val="tx1"/>
+                </a:solidFill>
+                <a:latin typeface="+mn-lt"/>
+                <a:ea typeface="+mn-ea"/>
+                <a:cs typeface="+mn-cs"/>
+              </a:defRPr>
+            </a:lvl4pPr>
+            <a:lvl5pPr marL="2057400" indent="-228600" algn="l" defTabSz="914400" rtl="0" eaLnBrk="1" latinLnBrk="1" hangingPunct="1">
+              <a:lnSpc>
+                <a:spcPct val="90000"/>
+              </a:lnSpc>
+              <a:spcBef>
+                <a:spcPts val="500"/>
+              </a:spcBef>
+              <a:buFont typeface="Arial" panose="020B0604020202020204" pitchFamily="34" charset="0"/>
+              <a:buChar char="•"/>
+              <a:defRPr sz="1800" kern="1200">
+                <a:solidFill>
+                  <a:schemeClr val="tx1"/>
+                </a:solidFill>
+                <a:latin typeface="+mn-lt"/>
+                <a:ea typeface="+mn-ea"/>
+                <a:cs typeface="+mn-cs"/>
+              </a:defRPr>
+            </a:lvl5pPr>
+            <a:lvl6pPr marL="2514600" indent="-228600" algn="l" defTabSz="914400" rtl="0" eaLnBrk="1" latinLnBrk="1" hangingPunct="1">
+              <a:lnSpc>
+                <a:spcPct val="90000"/>
+              </a:lnSpc>
+              <a:spcBef>
+                <a:spcPts val="500"/>
+              </a:spcBef>
+              <a:buFont typeface="Arial" panose="020B0604020202020204" pitchFamily="34" charset="0"/>
+              <a:buChar char="•"/>
+              <a:defRPr sz="1800" kern="1200">
+                <a:solidFill>
+                  <a:schemeClr val="tx1"/>
+                </a:solidFill>
+                <a:latin typeface="+mn-lt"/>
+                <a:ea typeface="+mn-ea"/>
+                <a:cs typeface="+mn-cs"/>
+              </a:defRPr>
+            </a:lvl6pPr>
+            <a:lvl7pPr marL="2971800" indent="-228600" algn="l" defTabSz="914400" rtl="0" eaLnBrk="1" latinLnBrk="1" hangingPunct="1">
+              <a:lnSpc>
+                <a:spcPct val="90000"/>
+              </a:lnSpc>
+              <a:spcBef>
+                <a:spcPts val="500"/>
+              </a:spcBef>
+              <a:buFont typeface="Arial" panose="020B0604020202020204" pitchFamily="34" charset="0"/>
+              <a:buChar char="•"/>
+              <a:defRPr sz="1800" kern="1200">
+                <a:solidFill>
+                  <a:schemeClr val="tx1"/>
+                </a:solidFill>
+                <a:latin typeface="+mn-lt"/>
+                <a:ea typeface="+mn-ea"/>
+                <a:cs typeface="+mn-cs"/>
+              </a:defRPr>
+            </a:lvl7pPr>
+            <a:lvl8pPr marL="3429000" indent="-228600" algn="l" defTabSz="914400" rtl="0" eaLnBrk="1" latinLnBrk="1" hangingPunct="1">
+              <a:lnSpc>
+                <a:spcPct val="90000"/>
+              </a:lnSpc>
+              <a:spcBef>
+                <a:spcPts val="500"/>
+              </a:spcBef>
+              <a:buFont typeface="Arial" panose="020B0604020202020204" pitchFamily="34" charset="0"/>
+              <a:buChar char="•"/>
+              <a:defRPr sz="1800" kern="1200">
+                <a:solidFill>
+                  <a:schemeClr val="tx1"/>
+                </a:solidFill>
+                <a:latin typeface="+mn-lt"/>
+                <a:ea typeface="+mn-ea"/>
+                <a:cs typeface="+mn-cs"/>
+              </a:defRPr>
+            </a:lvl8pPr>
+            <a:lvl9pPr marL="3886200" indent="-228600" algn="l" defTabSz="914400" rtl="0" eaLnBrk="1" latinLnBrk="1" hangingPunct="1">
+              <a:lnSpc>
+                <a:spcPct val="90000"/>
+              </a:lnSpc>
+              <a:spcBef>
+                <a:spcPts val="500"/>
+              </a:spcBef>
+              <a:buFont typeface="Arial" panose="020B0604020202020204" pitchFamily="34" charset="0"/>
+              <a:buChar char="•"/>
+              <a:defRPr sz="1800" kern="1200">
+                <a:solidFill>
+                  <a:schemeClr val="tx1"/>
+                </a:solidFill>
+                <a:latin typeface="+mn-lt"/>
+                <a:ea typeface="+mn-ea"/>
+                <a:cs typeface="+mn-cs"/>
+              </a:defRPr>
+            </a:lvl9pPr>
+          </a:lstStyle>
+          <a:p>
+            <a:pPr marL="0" indent="0">
+              <a:buNone/>
+            </a:pPr>
+            <a:r>
+              <a:rPr lang="ko-KR" altLang="en-US" sz="2000" dirty="0">
+                <a:solidFill>
+                  <a:schemeClr val="bg1"/>
+                </a:solidFill>
+                <a:latin typeface="10X10" panose="020D0604000000000000" pitchFamily="50" charset="-127"/>
+                <a:ea typeface="10X10" panose="020D0604000000000000" pitchFamily="50" charset="-127"/>
+              </a:rPr>
+              <a:t>구명보트</a:t>
+            </a:r>
+          </a:p>
+        </p:txBody>
+      </p:sp>
+      <p:sp>
+        <p:nvSpPr>
+          <p:cNvPr id="16" name="오른쪽 중괄호 15">
+            <a:extLst>
+              <a:ext uri="{FF2B5EF4-FFF2-40B4-BE49-F238E27FC236}">
+                <a16:creationId xmlns:a16="http://schemas.microsoft.com/office/drawing/2014/main" id="{7711C89F-43A6-4E77-90A8-538675756A48}"/>
+              </a:ext>
+            </a:extLst>
+          </p:cNvPr>
+          <p:cNvSpPr/>
+          <p:nvPr/>
+        </p:nvSpPr>
+        <p:spPr>
+          <a:xfrm>
+            <a:off x="5346701" y="4508499"/>
+            <a:ext cx="152400" cy="977901"/>
+          </a:xfrm>
+          <a:prstGeom prst="rightBrace">
+            <a:avLst>
+              <a:gd name="adj1" fmla="val 47564"/>
+              <a:gd name="adj2" fmla="val 50000"/>
+            </a:avLst>
+          </a:prstGeom>
+          <a:ln w="19050">
+            <a:solidFill>
+              <a:schemeClr val="bg1"/>
+            </a:solidFill>
+          </a:ln>
+        </p:spPr>
+        <p:style>
+          <a:lnRef idx="1">
+            <a:schemeClr val="accent1"/>
+          </a:lnRef>
+          <a:fillRef idx="0">
+            <a:schemeClr val="accent1"/>
+          </a:fillRef>
+          <a:effectRef idx="0">
+            <a:schemeClr val="accent1"/>
+          </a:effectRef>
+          <a:fontRef idx="minor">
+            <a:schemeClr val="tx1"/>
+          </a:fontRef>
+        </p:style>
+        <p:txBody>
+          <a:bodyPr rtlCol="0" anchor="ctr"/>
+          <a:lstStyle/>
+          <a:p>
+            <a:pPr algn="ctr"/>
+            <a:endParaRPr lang="ko-KR" altLang="en-US"/>
+          </a:p>
+        </p:txBody>
+      </p:sp>
+      <p:sp>
+        <p:nvSpPr>
+          <p:cNvPr id="21" name="부제목 4">
+            <a:extLst>
+              <a:ext uri="{FF2B5EF4-FFF2-40B4-BE49-F238E27FC236}">
+                <a16:creationId xmlns:a16="http://schemas.microsoft.com/office/drawing/2014/main" id="{F7C44461-51B5-4D2E-982A-08F189FDED8F}"/>
+              </a:ext>
+            </a:extLst>
+          </p:cNvPr>
+          <p:cNvSpPr txBox="1">
+            <a:spLocks/>
+          </p:cNvSpPr>
+          <p:nvPr/>
+        </p:nvSpPr>
+        <p:spPr>
+          <a:xfrm>
+            <a:off x="5600699" y="4483098"/>
+            <a:ext cx="6100129" cy="1282701"/>
+          </a:xfrm>
+          <a:prstGeom prst="rect">
+            <a:avLst/>
+          </a:prstGeom>
+        </p:spPr>
+        <p:txBody>
+          <a:bodyPr vert="horz" lIns="91440" tIns="45720" rIns="91440" bIns="45720" rtlCol="0">
+            <a:normAutofit/>
+          </a:bodyPr>
+          <a:lstStyle>
+            <a:lvl1pPr marL="228600" indent="-228600" algn="l" defTabSz="914400" rtl="0" eaLnBrk="1" latinLnBrk="1" hangingPunct="1">
+              <a:lnSpc>
+                <a:spcPct val="90000"/>
+              </a:lnSpc>
+              <a:spcBef>
+                <a:spcPts val="1000"/>
+              </a:spcBef>
+              <a:buFont typeface="Arial" panose="020B0604020202020204" pitchFamily="34" charset="0"/>
+              <a:buChar char="•"/>
+              <a:defRPr sz="2800" kern="1200">
+                <a:solidFill>
+                  <a:schemeClr val="tx1"/>
+                </a:solidFill>
+                <a:latin typeface="+mn-lt"/>
+                <a:ea typeface="+mn-ea"/>
+                <a:cs typeface="+mn-cs"/>
+              </a:defRPr>
+            </a:lvl1pPr>
+            <a:lvl2pPr marL="685800" indent="-228600" algn="l" defTabSz="914400" rtl="0" eaLnBrk="1" latinLnBrk="1" hangingPunct="1">
+              <a:lnSpc>
+                <a:spcPct val="90000"/>
+              </a:lnSpc>
+              <a:spcBef>
+                <a:spcPts val="500"/>
+              </a:spcBef>
+              <a:buFont typeface="Arial" panose="020B0604020202020204" pitchFamily="34" charset="0"/>
+              <a:buChar char="•"/>
+              <a:defRPr sz="2400" kern="1200">
+                <a:solidFill>
+                  <a:schemeClr val="tx1"/>
+                </a:solidFill>
+                <a:latin typeface="+mn-lt"/>
+                <a:ea typeface="+mn-ea"/>
+                <a:cs typeface="+mn-cs"/>
+              </a:defRPr>
+            </a:lvl2pPr>
+            <a:lvl3pPr marL="1143000" indent="-228600" algn="l" defTabSz="914400" rtl="0" eaLnBrk="1" latinLnBrk="1" hangingPunct="1">
+              <a:lnSpc>
+                <a:spcPct val="90000"/>
+              </a:lnSpc>
+              <a:spcBef>
+                <a:spcPts val="500"/>
+              </a:spcBef>
+              <a:buFont typeface="Arial" panose="020B0604020202020204" pitchFamily="34" charset="0"/>
+              <a:buChar char="•"/>
+              <a:defRPr sz="2000" kern="1200">
+                <a:solidFill>
+                  <a:schemeClr val="tx1"/>
+                </a:solidFill>
+                <a:latin typeface="+mn-lt"/>
+                <a:ea typeface="+mn-ea"/>
+                <a:cs typeface="+mn-cs"/>
+              </a:defRPr>
+            </a:lvl3pPr>
+            <a:lvl4pPr marL="1600200" indent="-228600" algn="l" defTabSz="914400" rtl="0" eaLnBrk="1" latinLnBrk="1" hangingPunct="1">
+              <a:lnSpc>
+                <a:spcPct val="90000"/>
+              </a:lnSpc>
+              <a:spcBef>
+                <a:spcPts val="500"/>
+              </a:spcBef>
+              <a:buFont typeface="Arial" panose="020B0604020202020204" pitchFamily="34" charset="0"/>
+              <a:buChar char="•"/>
+              <a:defRPr sz="1800" kern="1200">
+                <a:solidFill>
+                  <a:schemeClr val="tx1"/>
+                </a:solidFill>
+                <a:latin typeface="+mn-lt"/>
+                <a:ea typeface="+mn-ea"/>
+                <a:cs typeface="+mn-cs"/>
+              </a:defRPr>
+            </a:lvl4pPr>
+            <a:lvl5pPr marL="2057400" indent="-228600" algn="l" defTabSz="914400" rtl="0" eaLnBrk="1" latinLnBrk="1" hangingPunct="1">
+              <a:lnSpc>
+                <a:spcPct val="90000"/>
+              </a:lnSpc>
+              <a:spcBef>
+                <a:spcPts val="500"/>
+              </a:spcBef>
+              <a:buFont typeface="Arial" panose="020B0604020202020204" pitchFamily="34" charset="0"/>
+              <a:buChar char="•"/>
+              <a:defRPr sz="1800" kern="1200">
+                <a:solidFill>
+                  <a:schemeClr val="tx1"/>
+                </a:solidFill>
+                <a:latin typeface="+mn-lt"/>
+                <a:ea typeface="+mn-ea"/>
+                <a:cs typeface="+mn-cs"/>
+              </a:defRPr>
+            </a:lvl5pPr>
+            <a:lvl6pPr marL="2514600" indent="-228600" algn="l" defTabSz="914400" rtl="0" eaLnBrk="1" latinLnBrk="1" hangingPunct="1">
+              <a:lnSpc>
+                <a:spcPct val="90000"/>
+              </a:lnSpc>
+              <a:spcBef>
+                <a:spcPts val="500"/>
+              </a:spcBef>
+              <a:buFont typeface="Arial" panose="020B0604020202020204" pitchFamily="34" charset="0"/>
+              <a:buChar char="•"/>
+              <a:defRPr sz="1800" kern="1200">
+                <a:solidFill>
+                  <a:schemeClr val="tx1"/>
+                </a:solidFill>
+                <a:latin typeface="+mn-lt"/>
+                <a:ea typeface="+mn-ea"/>
+                <a:cs typeface="+mn-cs"/>
+              </a:defRPr>
+            </a:lvl6pPr>
+            <a:lvl7pPr marL="2971800" indent="-228600" algn="l" defTabSz="914400" rtl="0" eaLnBrk="1" latinLnBrk="1" hangingPunct="1">
+              <a:lnSpc>
+                <a:spcPct val="90000"/>
+              </a:lnSpc>
+              <a:spcBef>
+                <a:spcPts val="500"/>
+              </a:spcBef>
+              <a:buFont typeface="Arial" panose="020B0604020202020204" pitchFamily="34" charset="0"/>
+              <a:buChar char="•"/>
+              <a:defRPr sz="1800" kern="1200">
+                <a:solidFill>
+                  <a:schemeClr val="tx1"/>
+                </a:solidFill>
+                <a:latin typeface="+mn-lt"/>
+                <a:ea typeface="+mn-ea"/>
+                <a:cs typeface="+mn-cs"/>
+              </a:defRPr>
+            </a:lvl7pPr>
+            <a:lvl8pPr marL="3429000" indent="-228600" algn="l" defTabSz="914400" rtl="0" eaLnBrk="1" latinLnBrk="1" hangingPunct="1">
+              <a:lnSpc>
+                <a:spcPct val="90000"/>
+              </a:lnSpc>
+              <a:spcBef>
+                <a:spcPts val="500"/>
+              </a:spcBef>
+              <a:buFont typeface="Arial" panose="020B0604020202020204" pitchFamily="34" charset="0"/>
+              <a:buChar char="•"/>
+              <a:defRPr sz="1800" kern="1200">
+                <a:solidFill>
+                  <a:schemeClr val="tx1"/>
+                </a:solidFill>
+                <a:latin typeface="+mn-lt"/>
+                <a:ea typeface="+mn-ea"/>
+                <a:cs typeface="+mn-cs"/>
+              </a:defRPr>
+            </a:lvl8pPr>
+            <a:lvl9pPr marL="3886200" indent="-228600" algn="l" defTabSz="914400" rtl="0" eaLnBrk="1" latinLnBrk="1" hangingPunct="1">
+              <a:lnSpc>
+                <a:spcPct val="90000"/>
+              </a:lnSpc>
+              <a:spcBef>
+                <a:spcPts val="500"/>
+              </a:spcBef>
+              <a:buFont typeface="Arial" panose="020B0604020202020204" pitchFamily="34" charset="0"/>
+              <a:buChar char="•"/>
+              <a:defRPr sz="1800" kern="1200">
+                <a:solidFill>
+                  <a:schemeClr val="tx1"/>
+                </a:solidFill>
+                <a:latin typeface="+mn-lt"/>
+                <a:ea typeface="+mn-ea"/>
+                <a:cs typeface="+mn-cs"/>
+              </a:defRPr>
+            </a:lvl9pPr>
+          </a:lstStyle>
+          <a:p>
+            <a:pPr marL="0" indent="0">
+              <a:buNone/>
+            </a:pPr>
+            <a:r>
+              <a:rPr lang="ko-KR" altLang="en-US" sz="2000" dirty="0">
+                <a:solidFill>
+                  <a:schemeClr val="bg1"/>
+                </a:solidFill>
+                <a:latin typeface="10X10" panose="020D0604000000000000" pitchFamily="50" charset="-127"/>
+                <a:ea typeface="10X10" panose="020D0604000000000000" pitchFamily="50" charset="-127"/>
+              </a:rPr>
+              <a:t>가장 무거운 사람이 다른 사람과 함께 탈 수 있는지 확인</a:t>
+            </a:r>
+            <a:endParaRPr lang="en-US" altLang="ko-KR" sz="2000" dirty="0">
+              <a:solidFill>
+                <a:schemeClr val="bg1"/>
+              </a:solidFill>
+              <a:latin typeface="10X10" panose="020D0604000000000000" pitchFamily="50" charset="-127"/>
+              <a:ea typeface="10X10" panose="020D0604000000000000" pitchFamily="50" charset="-127"/>
+            </a:endParaRPr>
+          </a:p>
+          <a:p>
+            <a:pPr marL="0" indent="0">
+              <a:buNone/>
+            </a:pPr>
+            <a:r>
+              <a:rPr lang="ko-KR" altLang="en-US" sz="2000" dirty="0">
+                <a:solidFill>
+                  <a:schemeClr val="bg1"/>
+                </a:solidFill>
+                <a:latin typeface="10X10" panose="020D0604000000000000" pitchFamily="50" charset="-127"/>
+                <a:ea typeface="10X10" panose="020D0604000000000000" pitchFamily="50" charset="-127"/>
+              </a:rPr>
+              <a:t>가능하면 가장 가벼운 사람이 탑승</a:t>
+            </a:r>
+            <a:endParaRPr lang="en-US" altLang="ko-KR" sz="2000" dirty="0">
+              <a:solidFill>
+                <a:schemeClr val="bg1"/>
+              </a:solidFill>
+              <a:latin typeface="10X10" panose="020D0604000000000000" pitchFamily="50" charset="-127"/>
+              <a:ea typeface="10X10" panose="020D0604000000000000" pitchFamily="50" charset="-127"/>
+            </a:endParaRPr>
+          </a:p>
+          <a:p>
+            <a:pPr marL="0" indent="0">
+              <a:buNone/>
+            </a:pPr>
+            <a:r>
+              <a:rPr lang="ko-KR" altLang="en-US" sz="2000" dirty="0">
+                <a:solidFill>
+                  <a:schemeClr val="bg1"/>
+                </a:solidFill>
+                <a:latin typeface="10X10" panose="020D0604000000000000" pitchFamily="50" charset="-127"/>
+                <a:ea typeface="10X10" panose="020D0604000000000000" pitchFamily="50" charset="-127"/>
+              </a:rPr>
+              <a:t>그 다음으로 가벼운 사람이 가장 가벼운 사람이 됨 </a:t>
+            </a:r>
+            <a:r>
+              <a:rPr lang="en-US" altLang="ko-KR" sz="2000" dirty="0">
+                <a:solidFill>
+                  <a:schemeClr val="bg1"/>
+                </a:solidFill>
+                <a:latin typeface="10X10" panose="020D0604000000000000" pitchFamily="50" charset="-127"/>
+                <a:ea typeface="10X10" panose="020D0604000000000000" pitchFamily="50" charset="-127"/>
+              </a:rPr>
+              <a:t>(n--)</a:t>
+            </a:r>
+          </a:p>
+        </p:txBody>
+      </p:sp>
+      <p:sp>
+        <p:nvSpPr>
+          <p:cNvPr id="13" name="부제목 4">
+            <a:extLst>
+              <a:ext uri="{FF2B5EF4-FFF2-40B4-BE49-F238E27FC236}">
+                <a16:creationId xmlns:a16="http://schemas.microsoft.com/office/drawing/2014/main" id="{B39FA811-960B-4378-98C8-B85846717603}"/>
+              </a:ext>
+            </a:extLst>
+          </p:cNvPr>
+          <p:cNvSpPr txBox="1">
+            <a:spLocks/>
+          </p:cNvSpPr>
+          <p:nvPr/>
+        </p:nvSpPr>
+        <p:spPr>
+          <a:xfrm>
+            <a:off x="134699" y="710545"/>
+            <a:ext cx="6921976" cy="372803"/>
+          </a:xfrm>
+          <a:prstGeom prst="rect">
+            <a:avLst/>
+          </a:prstGeom>
+        </p:spPr>
+        <p:txBody>
+          <a:bodyPr vert="horz" lIns="91440" tIns="45720" rIns="91440" bIns="45720" rtlCol="0">
+            <a:normAutofit/>
+          </a:bodyPr>
+          <a:lstStyle>
+            <a:lvl1pPr marL="228600" indent="-228600" algn="l" defTabSz="914400" rtl="0" eaLnBrk="1" latinLnBrk="1" hangingPunct="1">
+              <a:lnSpc>
+                <a:spcPct val="90000"/>
+              </a:lnSpc>
+              <a:spcBef>
+                <a:spcPts val="1000"/>
+              </a:spcBef>
+              <a:buFont typeface="Arial" panose="020B0604020202020204" pitchFamily="34" charset="0"/>
+              <a:buChar char="•"/>
+              <a:defRPr sz="2800" kern="1200">
+                <a:solidFill>
+                  <a:schemeClr val="tx1"/>
+                </a:solidFill>
+                <a:latin typeface="+mn-lt"/>
+                <a:ea typeface="+mn-ea"/>
+                <a:cs typeface="+mn-cs"/>
+              </a:defRPr>
+            </a:lvl1pPr>
+            <a:lvl2pPr marL="685800" indent="-228600" algn="l" defTabSz="914400" rtl="0" eaLnBrk="1" latinLnBrk="1" hangingPunct="1">
+              <a:lnSpc>
+                <a:spcPct val="90000"/>
+              </a:lnSpc>
+              <a:spcBef>
+                <a:spcPts val="500"/>
+              </a:spcBef>
+              <a:buFont typeface="Arial" panose="020B0604020202020204" pitchFamily="34" charset="0"/>
+              <a:buChar char="•"/>
+              <a:defRPr sz="2400" kern="1200">
+                <a:solidFill>
+                  <a:schemeClr val="tx1"/>
+                </a:solidFill>
+                <a:latin typeface="+mn-lt"/>
+                <a:ea typeface="+mn-ea"/>
+                <a:cs typeface="+mn-cs"/>
+              </a:defRPr>
+            </a:lvl2pPr>
+            <a:lvl3pPr marL="1143000" indent="-228600" algn="l" defTabSz="914400" rtl="0" eaLnBrk="1" latinLnBrk="1" hangingPunct="1">
+              <a:lnSpc>
+                <a:spcPct val="90000"/>
+              </a:lnSpc>
+              <a:spcBef>
+                <a:spcPts val="500"/>
+              </a:spcBef>
+              <a:buFont typeface="Arial" panose="020B0604020202020204" pitchFamily="34" charset="0"/>
+              <a:buChar char="•"/>
+              <a:defRPr sz="2000" kern="1200">
+                <a:solidFill>
+                  <a:schemeClr val="tx1"/>
+                </a:solidFill>
+                <a:latin typeface="+mn-lt"/>
+                <a:ea typeface="+mn-ea"/>
+                <a:cs typeface="+mn-cs"/>
+              </a:defRPr>
+            </a:lvl3pPr>
+            <a:lvl4pPr marL="1600200" indent="-228600" algn="l" defTabSz="914400" rtl="0" eaLnBrk="1" latinLnBrk="1" hangingPunct="1">
+              <a:lnSpc>
+                <a:spcPct val="90000"/>
+              </a:lnSpc>
+              <a:spcBef>
+                <a:spcPts val="500"/>
+              </a:spcBef>
+              <a:buFont typeface="Arial" panose="020B0604020202020204" pitchFamily="34" charset="0"/>
+              <a:buChar char="•"/>
+              <a:defRPr sz="1800" kern="1200">
+                <a:solidFill>
+                  <a:schemeClr val="tx1"/>
+                </a:solidFill>
+                <a:latin typeface="+mn-lt"/>
+                <a:ea typeface="+mn-ea"/>
+                <a:cs typeface="+mn-cs"/>
+              </a:defRPr>
+            </a:lvl4pPr>
+            <a:lvl5pPr marL="2057400" indent="-228600" algn="l" defTabSz="914400" rtl="0" eaLnBrk="1" latinLnBrk="1" hangingPunct="1">
+              <a:lnSpc>
+                <a:spcPct val="90000"/>
+              </a:lnSpc>
+              <a:spcBef>
+                <a:spcPts val="500"/>
+              </a:spcBef>
+              <a:buFont typeface="Arial" panose="020B0604020202020204" pitchFamily="34" charset="0"/>
+              <a:buChar char="•"/>
+              <a:defRPr sz="1800" kern="1200">
+                <a:solidFill>
+                  <a:schemeClr val="tx1"/>
+                </a:solidFill>
+                <a:latin typeface="+mn-lt"/>
+                <a:ea typeface="+mn-ea"/>
+                <a:cs typeface="+mn-cs"/>
+              </a:defRPr>
+            </a:lvl5pPr>
+            <a:lvl6pPr marL="2514600" indent="-228600" algn="l" defTabSz="914400" rtl="0" eaLnBrk="1" latinLnBrk="1" hangingPunct="1">
+              <a:lnSpc>
+                <a:spcPct val="90000"/>
+              </a:lnSpc>
+              <a:spcBef>
+                <a:spcPts val="500"/>
+              </a:spcBef>
+              <a:buFont typeface="Arial" panose="020B0604020202020204" pitchFamily="34" charset="0"/>
+              <a:buChar char="•"/>
+              <a:defRPr sz="1800" kern="1200">
+                <a:solidFill>
+                  <a:schemeClr val="tx1"/>
+                </a:solidFill>
+                <a:latin typeface="+mn-lt"/>
+                <a:ea typeface="+mn-ea"/>
+                <a:cs typeface="+mn-cs"/>
+              </a:defRPr>
+            </a:lvl6pPr>
+            <a:lvl7pPr marL="2971800" indent="-228600" algn="l" defTabSz="914400" rtl="0" eaLnBrk="1" latinLnBrk="1" hangingPunct="1">
+              <a:lnSpc>
+                <a:spcPct val="90000"/>
+              </a:lnSpc>
+              <a:spcBef>
+                <a:spcPts val="500"/>
+              </a:spcBef>
+              <a:buFont typeface="Arial" panose="020B0604020202020204" pitchFamily="34" charset="0"/>
+              <a:buChar char="•"/>
+              <a:defRPr sz="1800" kern="1200">
+                <a:solidFill>
+                  <a:schemeClr val="tx1"/>
+                </a:solidFill>
+                <a:latin typeface="+mn-lt"/>
+                <a:ea typeface="+mn-ea"/>
+                <a:cs typeface="+mn-cs"/>
+              </a:defRPr>
+            </a:lvl7pPr>
+            <a:lvl8pPr marL="3429000" indent="-228600" algn="l" defTabSz="914400" rtl="0" eaLnBrk="1" latinLnBrk="1" hangingPunct="1">
+              <a:lnSpc>
+                <a:spcPct val="90000"/>
+              </a:lnSpc>
+              <a:spcBef>
+                <a:spcPts val="500"/>
+              </a:spcBef>
+              <a:buFont typeface="Arial" panose="020B0604020202020204" pitchFamily="34" charset="0"/>
+              <a:buChar char="•"/>
+              <a:defRPr sz="1800" kern="1200">
+                <a:solidFill>
+                  <a:schemeClr val="tx1"/>
+                </a:solidFill>
+                <a:latin typeface="+mn-lt"/>
+                <a:ea typeface="+mn-ea"/>
+                <a:cs typeface="+mn-cs"/>
+              </a:defRPr>
+            </a:lvl8pPr>
+            <a:lvl9pPr marL="3886200" indent="-228600" algn="l" defTabSz="914400" rtl="0" eaLnBrk="1" latinLnBrk="1" hangingPunct="1">
+              <a:lnSpc>
+                <a:spcPct val="90000"/>
+              </a:lnSpc>
+              <a:spcBef>
+                <a:spcPts val="500"/>
+              </a:spcBef>
+              <a:buFont typeface="Arial" panose="020B0604020202020204" pitchFamily="34" charset="0"/>
+              <a:buChar char="•"/>
+              <a:defRPr sz="1800" kern="1200">
+                <a:solidFill>
+                  <a:schemeClr val="tx1"/>
+                </a:solidFill>
+                <a:latin typeface="+mn-lt"/>
+                <a:ea typeface="+mn-ea"/>
+                <a:cs typeface="+mn-cs"/>
+              </a:defRPr>
+            </a:lvl9pPr>
+          </a:lstStyle>
+          <a:p>
+            <a:pPr marL="0" indent="0">
+              <a:buNone/>
+            </a:pPr>
+            <a:r>
+              <a:rPr lang="ko-KR" altLang="en-US" sz="2000" dirty="0">
+                <a:solidFill>
+                  <a:schemeClr val="bg1"/>
+                </a:solidFill>
+                <a:latin typeface="10X10" panose="020D0604000000000000" pitchFamily="50" charset="-127"/>
+                <a:ea typeface="10X10" panose="020D0604000000000000" pitchFamily="50" charset="-127"/>
+              </a:rPr>
+              <a:t>가장 무거운 사람과 가장 가벼운 사람 확인</a:t>
+            </a:r>
+            <a:r>
+              <a:rPr lang="en-US" altLang="ko-KR" sz="2000" dirty="0">
+                <a:solidFill>
+                  <a:schemeClr val="bg1"/>
+                </a:solidFill>
+                <a:latin typeface="10X10" panose="020D0604000000000000" pitchFamily="50" charset="-127"/>
+                <a:ea typeface="10X10" panose="020D0604000000000000" pitchFamily="50" charset="-127"/>
+              </a:rPr>
+              <a:t>, 2</a:t>
+            </a:r>
+            <a:r>
+              <a:rPr lang="ko-KR" altLang="en-US" sz="2000" dirty="0">
+                <a:solidFill>
+                  <a:schemeClr val="bg1"/>
+                </a:solidFill>
+                <a:latin typeface="10X10" panose="020D0604000000000000" pitchFamily="50" charset="-127"/>
+                <a:ea typeface="10X10" panose="020D0604000000000000" pitchFamily="50" charset="-127"/>
+              </a:rPr>
+              <a:t>명 태우기</a:t>
+            </a:r>
+            <a:r>
+              <a:rPr lang="en-US" altLang="ko-KR" sz="2000" dirty="0">
+                <a:solidFill>
+                  <a:schemeClr val="bg1"/>
+                </a:solidFill>
+                <a:latin typeface="10X10" panose="020D0604000000000000" pitchFamily="50" charset="-127"/>
+                <a:ea typeface="10X10" panose="020D0604000000000000" pitchFamily="50" charset="-127"/>
+              </a:rPr>
+              <a:t>, </a:t>
+            </a:r>
+            <a:r>
+              <a:rPr lang="ko-KR" altLang="en-US" sz="2000" dirty="0">
+                <a:solidFill>
+                  <a:schemeClr val="bg1"/>
+                </a:solidFill>
+                <a:latin typeface="10X10" panose="020D0604000000000000" pitchFamily="50" charset="-127"/>
+                <a:ea typeface="10X10" panose="020D0604000000000000" pitchFamily="50" charset="-127"/>
+              </a:rPr>
+              <a:t>안되면 </a:t>
+            </a:r>
+            <a:r>
+              <a:rPr lang="en-US" altLang="ko-KR" sz="2000" dirty="0">
+                <a:solidFill>
+                  <a:schemeClr val="bg1"/>
+                </a:solidFill>
+                <a:latin typeface="10X10" panose="020D0604000000000000" pitchFamily="50" charset="-127"/>
+                <a:ea typeface="10X10" panose="020D0604000000000000" pitchFamily="50" charset="-127"/>
+              </a:rPr>
+              <a:t>1</a:t>
+            </a:r>
+            <a:r>
+              <a:rPr lang="ko-KR" altLang="en-US" sz="2000" dirty="0">
+                <a:solidFill>
+                  <a:schemeClr val="bg1"/>
+                </a:solidFill>
+                <a:latin typeface="10X10" panose="020D0604000000000000" pitchFamily="50" charset="-127"/>
+                <a:ea typeface="10X10" panose="020D0604000000000000" pitchFamily="50" charset="-127"/>
+              </a:rPr>
+              <a:t>명</a:t>
+            </a:r>
+          </a:p>
+        </p:txBody>
+      </p:sp>
+      <p:sp>
+        <p:nvSpPr>
+          <p:cNvPr id="17" name="부제목 4">
+            <a:extLst>
+              <a:ext uri="{FF2B5EF4-FFF2-40B4-BE49-F238E27FC236}">
+                <a16:creationId xmlns:a16="http://schemas.microsoft.com/office/drawing/2014/main" id="{CD688D4D-1A30-4F11-B57B-7FAC91186D0D}"/>
+              </a:ext>
+            </a:extLst>
+          </p:cNvPr>
+          <p:cNvSpPr txBox="1">
+            <a:spLocks/>
+          </p:cNvSpPr>
+          <p:nvPr/>
+        </p:nvSpPr>
+        <p:spPr>
+          <a:xfrm>
+            <a:off x="121508" y="1180435"/>
+            <a:ext cx="4340223" cy="372803"/>
+          </a:xfrm>
+          <a:prstGeom prst="rect">
+            <a:avLst/>
+          </a:prstGeom>
+        </p:spPr>
+        <p:txBody>
+          <a:bodyPr vert="horz" lIns="91440" tIns="45720" rIns="91440" bIns="45720" rtlCol="0">
+            <a:normAutofit/>
+          </a:bodyPr>
+          <a:lstStyle>
+            <a:lvl1pPr marL="228600" indent="-228600" algn="l" defTabSz="914400" rtl="0" eaLnBrk="1" latinLnBrk="1" hangingPunct="1">
+              <a:lnSpc>
+                <a:spcPct val="90000"/>
+              </a:lnSpc>
+              <a:spcBef>
+                <a:spcPts val="1000"/>
+              </a:spcBef>
+              <a:buFont typeface="Arial" panose="020B0604020202020204" pitchFamily="34" charset="0"/>
+              <a:buChar char="•"/>
+              <a:defRPr sz="2800" kern="1200">
+                <a:solidFill>
+                  <a:schemeClr val="tx1"/>
+                </a:solidFill>
+                <a:latin typeface="+mn-lt"/>
+                <a:ea typeface="+mn-ea"/>
+                <a:cs typeface="+mn-cs"/>
+              </a:defRPr>
+            </a:lvl1pPr>
+            <a:lvl2pPr marL="685800" indent="-228600" algn="l" defTabSz="914400" rtl="0" eaLnBrk="1" latinLnBrk="1" hangingPunct="1">
+              <a:lnSpc>
+                <a:spcPct val="90000"/>
+              </a:lnSpc>
+              <a:spcBef>
+                <a:spcPts val="500"/>
+              </a:spcBef>
+              <a:buFont typeface="Arial" panose="020B0604020202020204" pitchFamily="34" charset="0"/>
+              <a:buChar char="•"/>
+              <a:defRPr sz="2400" kern="1200">
+                <a:solidFill>
+                  <a:schemeClr val="tx1"/>
+                </a:solidFill>
+                <a:latin typeface="+mn-lt"/>
+                <a:ea typeface="+mn-ea"/>
+                <a:cs typeface="+mn-cs"/>
+              </a:defRPr>
+            </a:lvl2pPr>
+            <a:lvl3pPr marL="1143000" indent="-228600" algn="l" defTabSz="914400" rtl="0" eaLnBrk="1" latinLnBrk="1" hangingPunct="1">
+              <a:lnSpc>
+                <a:spcPct val="90000"/>
+              </a:lnSpc>
+              <a:spcBef>
+                <a:spcPts val="500"/>
+              </a:spcBef>
+              <a:buFont typeface="Arial" panose="020B0604020202020204" pitchFamily="34" charset="0"/>
+              <a:buChar char="•"/>
+              <a:defRPr sz="2000" kern="1200">
+                <a:solidFill>
+                  <a:schemeClr val="tx1"/>
+                </a:solidFill>
+                <a:latin typeface="+mn-lt"/>
+                <a:ea typeface="+mn-ea"/>
+                <a:cs typeface="+mn-cs"/>
+              </a:defRPr>
+            </a:lvl3pPr>
+            <a:lvl4pPr marL="1600200" indent="-228600" algn="l" defTabSz="914400" rtl="0" eaLnBrk="1" latinLnBrk="1" hangingPunct="1">
+              <a:lnSpc>
+                <a:spcPct val="90000"/>
+              </a:lnSpc>
+              <a:spcBef>
+                <a:spcPts val="500"/>
+              </a:spcBef>
+              <a:buFont typeface="Arial" panose="020B0604020202020204" pitchFamily="34" charset="0"/>
+              <a:buChar char="•"/>
+              <a:defRPr sz="1800" kern="1200">
+                <a:solidFill>
+                  <a:schemeClr val="tx1"/>
+                </a:solidFill>
+                <a:latin typeface="+mn-lt"/>
+                <a:ea typeface="+mn-ea"/>
+                <a:cs typeface="+mn-cs"/>
+              </a:defRPr>
+            </a:lvl4pPr>
+            <a:lvl5pPr marL="2057400" indent="-228600" algn="l" defTabSz="914400" rtl="0" eaLnBrk="1" latinLnBrk="1" hangingPunct="1">
+              <a:lnSpc>
+                <a:spcPct val="90000"/>
+              </a:lnSpc>
+              <a:spcBef>
+                <a:spcPts val="500"/>
+              </a:spcBef>
+              <a:buFont typeface="Arial" panose="020B0604020202020204" pitchFamily="34" charset="0"/>
+              <a:buChar char="•"/>
+              <a:defRPr sz="1800" kern="1200">
+                <a:solidFill>
+                  <a:schemeClr val="tx1"/>
+                </a:solidFill>
+                <a:latin typeface="+mn-lt"/>
+                <a:ea typeface="+mn-ea"/>
+                <a:cs typeface="+mn-cs"/>
+              </a:defRPr>
+            </a:lvl5pPr>
+            <a:lvl6pPr marL="2514600" indent="-228600" algn="l" defTabSz="914400" rtl="0" eaLnBrk="1" latinLnBrk="1" hangingPunct="1">
+              <a:lnSpc>
+                <a:spcPct val="90000"/>
+              </a:lnSpc>
+              <a:spcBef>
+                <a:spcPts val="500"/>
+              </a:spcBef>
+              <a:buFont typeface="Arial" panose="020B0604020202020204" pitchFamily="34" charset="0"/>
+              <a:buChar char="•"/>
+              <a:defRPr sz="1800" kern="1200">
+                <a:solidFill>
+                  <a:schemeClr val="tx1"/>
+                </a:solidFill>
+                <a:latin typeface="+mn-lt"/>
+                <a:ea typeface="+mn-ea"/>
+                <a:cs typeface="+mn-cs"/>
+              </a:defRPr>
+            </a:lvl6pPr>
+            <a:lvl7pPr marL="2971800" indent="-228600" algn="l" defTabSz="914400" rtl="0" eaLnBrk="1" latinLnBrk="1" hangingPunct="1">
+              <a:lnSpc>
+                <a:spcPct val="90000"/>
+              </a:lnSpc>
+              <a:spcBef>
+                <a:spcPts val="500"/>
+              </a:spcBef>
+              <a:buFont typeface="Arial" panose="020B0604020202020204" pitchFamily="34" charset="0"/>
+              <a:buChar char="•"/>
+              <a:defRPr sz="1800" kern="1200">
+                <a:solidFill>
+                  <a:schemeClr val="tx1"/>
+                </a:solidFill>
+                <a:latin typeface="+mn-lt"/>
+                <a:ea typeface="+mn-ea"/>
+                <a:cs typeface="+mn-cs"/>
+              </a:defRPr>
+            </a:lvl7pPr>
+            <a:lvl8pPr marL="3429000" indent="-228600" algn="l" defTabSz="914400" rtl="0" eaLnBrk="1" latinLnBrk="1" hangingPunct="1">
+              <a:lnSpc>
+                <a:spcPct val="90000"/>
+              </a:lnSpc>
+              <a:spcBef>
+                <a:spcPts val="500"/>
+              </a:spcBef>
+              <a:buFont typeface="Arial" panose="020B0604020202020204" pitchFamily="34" charset="0"/>
+              <a:buChar char="•"/>
+              <a:defRPr sz="1800" kern="1200">
+                <a:solidFill>
+                  <a:schemeClr val="tx1"/>
+                </a:solidFill>
+                <a:latin typeface="+mn-lt"/>
+                <a:ea typeface="+mn-ea"/>
+                <a:cs typeface="+mn-cs"/>
+              </a:defRPr>
+            </a:lvl8pPr>
+            <a:lvl9pPr marL="3886200" indent="-228600" algn="l" defTabSz="914400" rtl="0" eaLnBrk="1" latinLnBrk="1" hangingPunct="1">
+              <a:lnSpc>
+                <a:spcPct val="90000"/>
+              </a:lnSpc>
+              <a:spcBef>
+                <a:spcPts val="500"/>
+              </a:spcBef>
+              <a:buFont typeface="Arial" panose="020B0604020202020204" pitchFamily="34" charset="0"/>
+              <a:buChar char="•"/>
+              <a:defRPr sz="1800" kern="1200">
+                <a:solidFill>
+                  <a:schemeClr val="tx1"/>
+                </a:solidFill>
+                <a:latin typeface="+mn-lt"/>
+                <a:ea typeface="+mn-ea"/>
+                <a:cs typeface="+mn-cs"/>
+              </a:defRPr>
+            </a:lvl9pPr>
+          </a:lstStyle>
+          <a:p>
+            <a:pPr marL="0" indent="0">
+              <a:buNone/>
+            </a:pPr>
+            <a:r>
+              <a:rPr lang="ko-KR" altLang="en-US" sz="2000" b="1">
+                <a:solidFill>
+                  <a:schemeClr val="bg1"/>
+                </a:solidFill>
+                <a:latin typeface="10X10" panose="020D0604000000000000" pitchFamily="50" charset="-127"/>
+                <a:ea typeface="10X10" panose="020D0604000000000000" pitchFamily="50" charset="-127"/>
+              </a:rPr>
+              <a:t>태운 사람 벡터에서 지우기 → 시간초과</a:t>
+            </a:r>
+            <a:endParaRPr lang="ko-KR" altLang="en-US" sz="2000" b="1" dirty="0">
+              <a:solidFill>
+                <a:schemeClr val="bg1"/>
+              </a:solidFill>
+              <a:latin typeface="10X10" panose="020D0604000000000000" pitchFamily="50" charset="-127"/>
+              <a:ea typeface="10X10" panose="020D0604000000000000" pitchFamily="50" charset="-127"/>
+            </a:endParaRPr>
+          </a:p>
+        </p:txBody>
+      </p:sp>
+    </p:spTree>
+    <p:extLst>
+      <p:ext uri="{BB962C8B-B14F-4D97-AF65-F5344CB8AC3E}">
+        <p14:creationId xmlns:p14="http://schemas.microsoft.com/office/powerpoint/2010/main" val="2741819977"/>
+      </p:ext>
+    </p:extLst>
+  </p:cSld>
+  <p:clrMapOvr>
+    <a:masterClrMapping/>
+  </p:clrMapOvr>
+  <p:timing>
+    <p:tnLst>
+      <p:par>
+        <p:cTn id="1" dur="indefinite" restart="never" nodeType="tmRoot">
+          <p:childTnLst>
+            <p:seq concurrent="1" nextAc="seek">
+              <p:cTn id="2" dur="indefinite" nodeType="mainSeq">
+                <p:childTnLst>
+                  <p:par>
+                    <p:cTn id="3" fill="hold">
+                      <p:stCondLst>
+                        <p:cond delay="indefinite"/>
+                      </p:stCondLst>
+                      <p:childTnLst>
+                        <p:par>
+                          <p:cTn id="4" fill="hold">
+                            <p:stCondLst>
+                              <p:cond delay="0"/>
+                            </p:stCondLst>
+                            <p:childTnLst>
+                              <p:par>
+                                <p:cTn id="5" presetID="1" presetClass="entr" presetSubtype="0" fill="hold" grpId="0" nodeType="clickEffect">
+                                  <p:stCondLst>
+                                    <p:cond delay="0"/>
+                                  </p:stCondLst>
+                                  <p:childTnLst>
+                                    <p:set>
+                                      <p:cBhvr>
+                                        <p:cTn id="6" dur="1" fill="hold">
+                                          <p:stCondLst>
+                                            <p:cond delay="0"/>
+                                          </p:stCondLst>
+                                        </p:cTn>
+                                        <p:tgtEl>
+                                          <p:spTgt spid="13"/>
+                                        </p:tgtEl>
+                                        <p:attrNameLst>
+                                          <p:attrName>style.visibility</p:attrName>
+                                        </p:attrNameLst>
+                                      </p:cBhvr>
+                                      <p:to>
+                                        <p:strVal val="visible"/>
+                                      </p:to>
+                                    </p:set>
+                                  </p:childTnLst>
+                                </p:cTn>
+                              </p:par>
+                            </p:childTnLst>
+                          </p:cTn>
+                        </p:par>
+                      </p:childTnLst>
+                    </p:cTn>
+                  </p:par>
+                  <p:par>
+                    <p:cTn id="7" fill="hold">
+                      <p:stCondLst>
+                        <p:cond delay="indefinite"/>
+                      </p:stCondLst>
+                      <p:childTnLst>
+                        <p:par>
+                          <p:cTn id="8" fill="hold">
+                            <p:stCondLst>
+                              <p:cond delay="0"/>
+                            </p:stCondLst>
+                            <p:childTnLst>
+                              <p:par>
+                                <p:cTn id="9" presetID="1" presetClass="entr" presetSubtype="0" fill="hold" grpId="0" nodeType="clickEffect">
+                                  <p:stCondLst>
+                                    <p:cond delay="0"/>
+                                  </p:stCondLst>
+                                  <p:childTnLst>
+                                    <p:set>
+                                      <p:cBhvr>
+                                        <p:cTn id="10" dur="1" fill="hold">
+                                          <p:stCondLst>
+                                            <p:cond delay="0"/>
+                                          </p:stCondLst>
+                                        </p:cTn>
+                                        <p:tgtEl>
+                                          <p:spTgt spid="17"/>
+                                        </p:tgtEl>
+                                        <p:attrNameLst>
+                                          <p:attrName>style.visibility</p:attrName>
+                                        </p:attrNameLst>
+                                      </p:cBhvr>
+                                      <p:to>
+                                        <p:strVal val="visible"/>
+                                      </p:to>
+                                    </p:set>
+                                  </p:childTnLst>
+                                </p:cTn>
+                              </p:par>
+                            </p:childTnLst>
+                          </p:cTn>
+                        </p:par>
+                      </p:childTnLst>
+                    </p:cTn>
+                  </p:par>
+                  <p:par>
+                    <p:cTn id="11" fill="hold">
+                      <p:stCondLst>
+                        <p:cond delay="indefinite"/>
+                      </p:stCondLst>
+                      <p:childTnLst>
+                        <p:par>
+                          <p:cTn id="12" fill="hold">
+                            <p:stCondLst>
+                              <p:cond delay="0"/>
+                            </p:stCondLst>
+                            <p:childTnLst>
+                              <p:par>
+                                <p:cTn id="13" presetID="1" presetClass="entr" presetSubtype="0" fill="hold" grpId="0" nodeType="clickEffect">
+                                  <p:stCondLst>
+                                    <p:cond delay="0"/>
+                                  </p:stCondLst>
+                                  <p:childTnLst>
+                                    <p:set>
+                                      <p:cBhvr>
+                                        <p:cTn id="14" dur="1" fill="hold">
+                                          <p:stCondLst>
+                                            <p:cond delay="0"/>
+                                          </p:stCondLst>
+                                        </p:cTn>
+                                        <p:tgtEl>
+                                          <p:spTgt spid="16"/>
+                                        </p:tgtEl>
+                                        <p:attrNameLst>
+                                          <p:attrName>style.visibility</p:attrName>
+                                        </p:attrNameLst>
+                                      </p:cBhvr>
+                                      <p:to>
+                                        <p:strVal val="visible"/>
+                                      </p:to>
+                                    </p:set>
+                                  </p:childTnLst>
+                                </p:cTn>
+                              </p:par>
+                              <p:par>
+                                <p:cTn id="15" presetID="1" presetClass="entr" presetSubtype="0" fill="hold" grpId="0" nodeType="withEffect">
+                                  <p:stCondLst>
+                                    <p:cond delay="0"/>
+                                  </p:stCondLst>
+                                  <p:childTnLst>
+                                    <p:set>
+                                      <p:cBhvr>
+                                        <p:cTn id="16" dur="1" fill="hold">
+                                          <p:stCondLst>
+                                            <p:cond delay="0"/>
+                                          </p:stCondLst>
+                                        </p:cTn>
+                                        <p:tgtEl>
+                                          <p:spTgt spid="21"/>
+                                        </p:tgtEl>
+                                        <p:attrNameLst>
+                                          <p:attrName>style.visibility</p:attrName>
+                                        </p:attrNameLst>
+                                      </p:cBhvr>
+                                      <p:to>
+                                        <p:strVal val="visible"/>
+                                      </p:to>
+                                    </p:set>
+                                  </p:childTnLst>
+                                </p:cTn>
+                              </p:par>
+                            </p:childTnLst>
+                          </p:cTn>
+                        </p:par>
+                      </p:childTnLst>
+                    </p:cTn>
+                  </p:par>
+                </p:childTnLst>
+              </p:cTn>
+              <p:prevCondLst>
+                <p:cond evt="onPrev" delay="0">
+                  <p:tgtEl>
+                    <p:sldTgt/>
+                  </p:tgtEl>
+                </p:cond>
+              </p:prevCondLst>
+              <p:nextCondLst>
+                <p:cond evt="onNext" delay="0">
+                  <p:tgtEl>
+                    <p:sldTgt/>
+                  </p:tgtEl>
+                </p:cond>
+              </p:nextCondLst>
+            </p:seq>
+          </p:childTnLst>
+        </p:cTn>
+      </p:par>
+    </p:tnLst>
+    <p:bldLst>
+      <p:bldP spid="16" grpId="0" animBg="1"/>
+      <p:bldP spid="21" grpId="0"/>
+      <p:bldP spid="13" grpId="0"/>
+      <p:bldP spid="17" grpId="0"/>
+    </p:bldLst>
+  </p:timing>
+</p:sld>
+</file>
+
 <file path=ppt/theme/theme1.xml><?xml version="1.0" encoding="utf-8"?>
 <a:theme xmlns:a="http://schemas.openxmlformats.org/drawingml/2006/main" name="Office 테마">
   <a:themeElements>
@@ -11858,6 +13130,21 @@
 </file>
 
 <file path=customXml/item1.xml><?xml version="1.0" encoding="utf-8"?>
+<p:properties xmlns:p="http://schemas.microsoft.com/office/2006/metadata/properties" xmlns:xsi="http://www.w3.org/2001/XMLSchema-instance" xmlns:pc="http://schemas.microsoft.com/office/infopath/2007/PartnerControls">
+  <documentManagement/>
+</p:properties>
+</file>
+
+<file path=customXml/item2.xml><?xml version="1.0" encoding="utf-8"?>
+<?mso-contentType ?>
+<FormTemplates xmlns="http://schemas.microsoft.com/sharepoint/v3/contenttype/forms">
+  <Display>DocumentLibraryForm</Display>
+  <Edit>DocumentLibraryForm</Edit>
+  <New>DocumentLibraryForm</New>
+</FormTemplates>
+</file>
+
+<file path=customXml/item3.xml><?xml version="1.0" encoding="utf-8"?>
 <ct:contentTypeSchema xmlns:ct="http://schemas.microsoft.com/office/2006/metadata/contentType" xmlns:ma="http://schemas.microsoft.com/office/2006/metadata/properties/metaAttributes" ct:_="" ma:_="" ma:contentTypeName="문서" ma:contentTypeID="0x010100783B089471E19D499A794BD6281B8337" ma:contentTypeVersion="2" ma:contentTypeDescription="새 문서를 만듭니다." ma:contentTypeScope="" ma:versionID="b6a9b00f96d9581263930572465e4cca">
   <xsd:schema xmlns:xsd="http://www.w3.org/2001/XMLSchema" xmlns:xs="http://www.w3.org/2001/XMLSchema" xmlns:p="http://schemas.microsoft.com/office/2006/metadata/properties" xmlns:ns3="72237e5d-b00b-4582-bffc-c4905ae74025" targetNamespace="http://schemas.microsoft.com/office/2006/metadata/properties" ma:root="true" ma:fieldsID="c961ed26f7be2a665dc9bd45855c86cb" ns3:_="">
     <xsd:import namespace="72237e5d-b00b-4582-bffc-c4905ae74025"/>
@@ -11989,22 +13276,31 @@
 </ct:contentTypeSchema>
 </file>
 
-<file path=customXml/item2.xml><?xml version="1.0" encoding="utf-8"?>
-<?mso-contentType ?>
-<FormTemplates xmlns="http://schemas.microsoft.com/sharepoint/v3/contenttype/forms">
-  <Display>DocumentLibraryForm</Display>
-  <Edit>DocumentLibraryForm</Edit>
-  <New>DocumentLibraryForm</New>
-</FormTemplates>
+<file path=customXml/itemProps1.xml><?xml version="1.0" encoding="utf-8"?>
+<ds:datastoreItem xmlns:ds="http://schemas.openxmlformats.org/officeDocument/2006/customXml" ds:itemID="{6F1DFEA9-437C-472F-84B5-7554FFCB9B96}">
+  <ds:schemaRefs>
+    <ds:schemaRef ds:uri="http://schemas.microsoft.com/office/2006/documentManagement/types"/>
+    <ds:schemaRef ds:uri="http://purl.org/dc/terms/"/>
+    <ds:schemaRef ds:uri="http://schemas.openxmlformats.org/package/2006/metadata/core-properties"/>
+    <ds:schemaRef ds:uri="http://purl.org/dc/dcmitype/"/>
+    <ds:schemaRef ds:uri="http://schemas.microsoft.com/office/infopath/2007/PartnerControls"/>
+    <ds:schemaRef ds:uri="http://purl.org/dc/elements/1.1/"/>
+    <ds:schemaRef ds:uri="http://schemas.microsoft.com/office/2006/metadata/properties"/>
+    <ds:schemaRef ds:uri="72237e5d-b00b-4582-bffc-c4905ae74025"/>
+    <ds:schemaRef ds:uri="http://www.w3.org/XML/1998/namespace"/>
+  </ds:schemaRefs>
+</ds:datastoreItem>
 </file>
 
-<file path=customXml/item3.xml><?xml version="1.0" encoding="utf-8"?>
-<p:properties xmlns:p="http://schemas.microsoft.com/office/2006/metadata/properties" xmlns:xsi="http://www.w3.org/2001/XMLSchema-instance" xmlns:pc="http://schemas.microsoft.com/office/infopath/2007/PartnerControls">
-  <documentManagement/>
-</p:properties>
+<file path=customXml/itemProps2.xml><?xml version="1.0" encoding="utf-8"?>
+<ds:datastoreItem xmlns:ds="http://schemas.openxmlformats.org/officeDocument/2006/customXml" ds:itemID="{FA139A32-F1EC-4D0C-A125-6D6294855C72}">
+  <ds:schemaRefs>
+    <ds:schemaRef ds:uri="http://schemas.microsoft.com/sharepoint/v3/contenttype/forms"/>
+  </ds:schemaRefs>
+</ds:datastoreItem>
 </file>
 
-<file path=customXml/itemProps1.xml><?xml version="1.0" encoding="utf-8"?>
+<file path=customXml/itemProps3.xml><?xml version="1.0" encoding="utf-8"?>
 <ds:datastoreItem xmlns:ds="http://schemas.openxmlformats.org/officeDocument/2006/customXml" ds:itemID="{60AEC1F0-4D5F-4524-8221-E88FBE880D62}">
   <ds:schemaRefs>
     <ds:schemaRef ds:uri="http://schemas.microsoft.com/office/2006/metadata/contentType"/>
@@ -12020,28 +13316,4 @@
     <ds:schemaRef ds:uri="http://schemas.microsoft.com/internal/obd"/>
   </ds:schemaRefs>
 </ds:datastoreItem>
-</file>
-
-<file path=customXml/itemProps2.xml><?xml version="1.0" encoding="utf-8"?>
-<ds:datastoreItem xmlns:ds="http://schemas.openxmlformats.org/officeDocument/2006/customXml" ds:itemID="{FA139A32-F1EC-4D0C-A125-6D6294855C72}">
-  <ds:schemaRefs>
-    <ds:schemaRef ds:uri="http://schemas.microsoft.com/sharepoint/v3/contenttype/forms"/>
-  </ds:schemaRefs>
-</ds:datastoreItem>
-</file>
-
-<file path=customXml/itemProps3.xml><?xml version="1.0" encoding="utf-8"?>
-<ds:datastoreItem xmlns:ds="http://schemas.openxmlformats.org/officeDocument/2006/customXml" ds:itemID="{6F1DFEA9-437C-472F-84B5-7554FFCB9B96}">
-  <ds:schemaRefs>
-    <ds:schemaRef ds:uri="http://schemas.microsoft.com/office/2006/documentManagement/types"/>
-    <ds:schemaRef ds:uri="http://purl.org/dc/terms/"/>
-    <ds:schemaRef ds:uri="http://schemas.openxmlformats.org/package/2006/metadata/core-properties"/>
-    <ds:schemaRef ds:uri="http://purl.org/dc/dcmitype/"/>
-    <ds:schemaRef ds:uri="http://schemas.microsoft.com/office/infopath/2007/PartnerControls"/>
-    <ds:schemaRef ds:uri="http://purl.org/dc/elements/1.1/"/>
-    <ds:schemaRef ds:uri="http://schemas.microsoft.com/office/2006/metadata/properties"/>
-    <ds:schemaRef ds:uri="72237e5d-b00b-4582-bffc-c4905ae74025"/>
-    <ds:schemaRef ds:uri="http://www.w3.org/XML/1998/namespace"/>
-  </ds:schemaRefs>
-</ds:datastoreItem>
 </file>